--- a/docs/surf_PiCas_24_10.pptx
+++ b/docs/surf_PiCas_24_10.pptx
@@ -199,7 +199,7 @@
           <a:p>
             <a:fld id="{DEEF499D-5D06-4C0A-93C1-4EFBC05226AC}" type="datetimeFigureOut">
               <a:rPr lang="LID4096" smtClean="0"/>
-              <a:t>10/22/2023</a:t>
+              <a:t>11/22/2023</a:t>
             </a:fld>
             <a:endParaRPr lang="LID4096"/>
           </a:p>
@@ -687,7 +687,7 @@
           <a:p>
             <a:fld id="{72520918-6668-4200-834B-DD6D224E903E}" type="datetimeFigureOut">
               <a:rPr lang="LID4096" smtClean="0"/>
-              <a:t>10/22/2023</a:t>
+              <a:t>11/22/2023</a:t>
             </a:fld>
             <a:endParaRPr lang="LID4096"/>
           </a:p>
@@ -857,7 +857,7 @@
           <a:p>
             <a:fld id="{72520918-6668-4200-834B-DD6D224E903E}" type="datetimeFigureOut">
               <a:rPr lang="LID4096" smtClean="0"/>
-              <a:t>10/22/2023</a:t>
+              <a:t>11/22/2023</a:t>
             </a:fld>
             <a:endParaRPr lang="LID4096"/>
           </a:p>
@@ -1037,7 +1037,7 @@
           <a:p>
             <a:fld id="{72520918-6668-4200-834B-DD6D224E903E}" type="datetimeFigureOut">
               <a:rPr lang="LID4096" smtClean="0"/>
-              <a:t>10/22/2023</a:t>
+              <a:t>11/22/2023</a:t>
             </a:fld>
             <a:endParaRPr lang="LID4096"/>
           </a:p>
@@ -1629,7 +1629,7 @@
           <a:p>
             <a:fld id="{72520918-6668-4200-834B-DD6D224E903E}" type="datetimeFigureOut">
               <a:rPr lang="LID4096" smtClean="0"/>
-              <a:t>10/22/2023</a:t>
+              <a:t>11/22/2023</a:t>
             </a:fld>
             <a:endParaRPr lang="LID4096"/>
           </a:p>
@@ -1875,7 +1875,7 @@
           <a:p>
             <a:fld id="{72520918-6668-4200-834B-DD6D224E903E}" type="datetimeFigureOut">
               <a:rPr lang="LID4096" smtClean="0"/>
-              <a:t>10/22/2023</a:t>
+              <a:t>11/22/2023</a:t>
             </a:fld>
             <a:endParaRPr lang="LID4096"/>
           </a:p>
@@ -2107,7 +2107,7 @@
           <a:p>
             <a:fld id="{72520918-6668-4200-834B-DD6D224E903E}" type="datetimeFigureOut">
               <a:rPr lang="LID4096" smtClean="0"/>
-              <a:t>10/22/2023</a:t>
+              <a:t>11/22/2023</a:t>
             </a:fld>
             <a:endParaRPr lang="LID4096"/>
           </a:p>
@@ -2474,7 +2474,7 @@
           <a:p>
             <a:fld id="{72520918-6668-4200-834B-DD6D224E903E}" type="datetimeFigureOut">
               <a:rPr lang="LID4096" smtClean="0"/>
-              <a:t>10/22/2023</a:t>
+              <a:t>11/22/2023</a:t>
             </a:fld>
             <a:endParaRPr lang="LID4096"/>
           </a:p>
@@ -2592,7 +2592,7 @@
           <a:p>
             <a:fld id="{72520918-6668-4200-834B-DD6D224E903E}" type="datetimeFigureOut">
               <a:rPr lang="LID4096" smtClean="0"/>
-              <a:t>10/22/2023</a:t>
+              <a:t>11/22/2023</a:t>
             </a:fld>
             <a:endParaRPr lang="LID4096"/>
           </a:p>
@@ -2687,7 +2687,7 @@
           <a:p>
             <a:fld id="{72520918-6668-4200-834B-DD6D224E903E}" type="datetimeFigureOut">
               <a:rPr lang="LID4096" smtClean="0"/>
-              <a:t>10/22/2023</a:t>
+              <a:t>11/22/2023</a:t>
             </a:fld>
             <a:endParaRPr lang="LID4096"/>
           </a:p>
@@ -2964,7 +2964,7 @@
           <a:p>
             <a:fld id="{72520918-6668-4200-834B-DD6D224E903E}" type="datetimeFigureOut">
               <a:rPr lang="LID4096" smtClean="0"/>
-              <a:t>10/22/2023</a:t>
+              <a:t>11/22/2023</a:t>
             </a:fld>
             <a:endParaRPr lang="LID4096"/>
           </a:p>
@@ -3221,7 +3221,7 @@
           <a:p>
             <a:fld id="{72520918-6668-4200-834B-DD6D224E903E}" type="datetimeFigureOut">
               <a:rPr lang="LID4096" smtClean="0"/>
-              <a:t>10/22/2023</a:t>
+              <a:t>11/22/2023</a:t>
             </a:fld>
             <a:endParaRPr lang="LID4096"/>
           </a:p>
@@ -3434,7 +3434,7 @@
           <a:p>
             <a:fld id="{72520918-6668-4200-834B-DD6D224E903E}" type="datetimeFigureOut">
               <a:rPr lang="LID4096" smtClean="0"/>
-              <a:t>10/22/2023</a:t>
+              <a:t>11/22/2023</a:t>
             </a:fld>
             <a:endParaRPr lang="LID4096"/>
           </a:p>
@@ -3925,7 +3925,9 @@
           </a:xfrm>
         </p:spPr>
         <p:txBody>
-          <a:bodyPr/>
+          <a:bodyPr>
+            <a:normAutofit fontScale="70000" lnSpcReduction="20000"/>
+          </a:bodyPr>
           <a:lstStyle/>
           <a:p>
             <a:r>
@@ -3954,6 +3956,21 @@
               <a:rPr lang="nl-NL" dirty="0"/>
               <a:t> surf</a:t>
             </a:r>
+          </a:p>
+          <a:p>
+            <a:r>
+              <a:rPr lang="nl-NL" dirty="0"/>
+              <a:t>						</a:t>
+            </a:r>
+            <a:r>
+              <a:rPr lang="nl-NL" dirty="0" err="1"/>
+              <a:t>Oct</a:t>
+            </a:r>
+            <a:r>
+              <a:rPr lang="nl-NL"/>
+              <a:t> 24</a:t>
+            </a:r>
+            <a:endParaRPr lang="nl-NL" dirty="0"/>
           </a:p>
         </p:txBody>
       </p:sp>
